--- a/static/images/frontends.png.pptx
+++ b/static/images/frontends.png.pptx
@@ -288,7 +288,7 @@
           <a:p>
             <a:fld id="{2C5EAFD4-C651-48E6-A6CD-BAF5506A2B97}" type="datetimeFigureOut">
               <a:rPr kumimoji="1" lang="ja-JP" altLang="en-US" smtClean="0"/>
-              <a:t>2018/8/16</a:t>
+              <a:t>2018/8/18</a:t>
             </a:fld>
             <a:endParaRPr kumimoji="1" lang="ja-JP" altLang="en-US"/>
           </a:p>
@@ -490,7 +490,7 @@
           <a:p>
             <a:fld id="{2C5EAFD4-C651-48E6-A6CD-BAF5506A2B97}" type="datetimeFigureOut">
               <a:rPr kumimoji="1" lang="ja-JP" altLang="en-US" smtClean="0"/>
-              <a:t>2018/8/16</a:t>
+              <a:t>2018/8/18</a:t>
             </a:fld>
             <a:endParaRPr kumimoji="1" lang="ja-JP" altLang="en-US"/>
           </a:p>
@@ -702,7 +702,7 @@
           <a:p>
             <a:fld id="{2C5EAFD4-C651-48E6-A6CD-BAF5506A2B97}" type="datetimeFigureOut">
               <a:rPr kumimoji="1" lang="ja-JP" altLang="en-US" smtClean="0"/>
-              <a:t>2018/8/16</a:t>
+              <a:t>2018/8/18</a:t>
             </a:fld>
             <a:endParaRPr kumimoji="1" lang="ja-JP" altLang="en-US"/>
           </a:p>
@@ -904,7 +904,7 @@
           <a:p>
             <a:fld id="{2C5EAFD4-C651-48E6-A6CD-BAF5506A2B97}" type="datetimeFigureOut">
               <a:rPr kumimoji="1" lang="ja-JP" altLang="en-US" smtClean="0"/>
-              <a:t>2018/8/16</a:t>
+              <a:t>2018/8/18</a:t>
             </a:fld>
             <a:endParaRPr kumimoji="1" lang="ja-JP" altLang="en-US"/>
           </a:p>
@@ -1150,7 +1150,7 @@
           <a:p>
             <a:fld id="{2C5EAFD4-C651-48E6-A6CD-BAF5506A2B97}" type="datetimeFigureOut">
               <a:rPr kumimoji="1" lang="ja-JP" altLang="en-US" smtClean="0"/>
-              <a:t>2018/8/16</a:t>
+              <a:t>2018/8/18</a:t>
             </a:fld>
             <a:endParaRPr kumimoji="1" lang="ja-JP" altLang="en-US"/>
           </a:p>
@@ -1502,7 +1502,7 @@
           <a:p>
             <a:fld id="{2C5EAFD4-C651-48E6-A6CD-BAF5506A2B97}" type="datetimeFigureOut">
               <a:rPr kumimoji="1" lang="ja-JP" altLang="en-US" smtClean="0"/>
-              <a:t>2018/8/16</a:t>
+              <a:t>2018/8/18</a:t>
             </a:fld>
             <a:endParaRPr kumimoji="1" lang="ja-JP" altLang="en-US"/>
           </a:p>
@@ -1988,7 +1988,7 @@
           <a:p>
             <a:fld id="{2C5EAFD4-C651-48E6-A6CD-BAF5506A2B97}" type="datetimeFigureOut">
               <a:rPr kumimoji="1" lang="ja-JP" altLang="en-US" smtClean="0"/>
-              <a:t>2018/8/16</a:t>
+              <a:t>2018/8/18</a:t>
             </a:fld>
             <a:endParaRPr kumimoji="1" lang="ja-JP" altLang="en-US"/>
           </a:p>
@@ -2106,7 +2106,7 @@
           <a:p>
             <a:fld id="{2C5EAFD4-C651-48E6-A6CD-BAF5506A2B97}" type="datetimeFigureOut">
               <a:rPr kumimoji="1" lang="ja-JP" altLang="en-US" smtClean="0"/>
-              <a:t>2018/8/16</a:t>
+              <a:t>2018/8/18</a:t>
             </a:fld>
             <a:endParaRPr kumimoji="1" lang="ja-JP" altLang="en-US"/>
           </a:p>
@@ -2201,7 +2201,7 @@
           <a:p>
             <a:fld id="{2C5EAFD4-C651-48E6-A6CD-BAF5506A2B97}" type="datetimeFigureOut">
               <a:rPr kumimoji="1" lang="ja-JP" altLang="en-US" smtClean="0"/>
-              <a:t>2018/8/16</a:t>
+              <a:t>2018/8/18</a:t>
             </a:fld>
             <a:endParaRPr kumimoji="1" lang="ja-JP" altLang="en-US"/>
           </a:p>
@@ -2510,7 +2510,7 @@
           <a:p>
             <a:fld id="{2C5EAFD4-C651-48E6-A6CD-BAF5506A2B97}" type="datetimeFigureOut">
               <a:rPr kumimoji="1" lang="ja-JP" altLang="en-US" smtClean="0"/>
-              <a:t>2018/8/16</a:t>
+              <a:t>2018/8/18</a:t>
             </a:fld>
             <a:endParaRPr kumimoji="1" lang="ja-JP" altLang="en-US"/>
           </a:p>
@@ -2763,7 +2763,7 @@
           <a:p>
             <a:fld id="{2C5EAFD4-C651-48E6-A6CD-BAF5506A2B97}" type="datetimeFigureOut">
               <a:rPr kumimoji="1" lang="ja-JP" altLang="en-US" smtClean="0"/>
-              <a:t>2018/8/16</a:t>
+              <a:t>2018/8/18</a:t>
             </a:fld>
             <a:endParaRPr kumimoji="1" lang="ja-JP" altLang="en-US"/>
           </a:p>
@@ -3008,7 +3008,7 @@
           <a:p>
             <a:fld id="{2C5EAFD4-C651-48E6-A6CD-BAF5506A2B97}" type="datetimeFigureOut">
               <a:rPr kumimoji="1" lang="ja-JP" altLang="en-US" smtClean="0"/>
-              <a:t>2018/8/16</a:t>
+              <a:t>2018/8/18</a:t>
             </a:fld>
             <a:endParaRPr kumimoji="1" lang="ja-JP" altLang="en-US"/>
           </a:p>
@@ -3488,7 +3488,7 @@
         </p:blipFill>
         <p:spPr bwMode="auto">
           <a:xfrm>
-            <a:off x="1396065" y="3396256"/>
+            <a:off x="1457241" y="3298334"/>
             <a:ext cx="1440908" cy="1080681"/>
           </a:xfrm>
           <a:prstGeom prst="rect">
@@ -3980,8 +3980,8 @@
         </p:blipFill>
         <p:spPr bwMode="auto">
           <a:xfrm>
-            <a:off x="2704394" y="3252252"/>
-            <a:ext cx="536075" cy="471002"/>
+            <a:off x="3068404" y="2547823"/>
+            <a:ext cx="418629" cy="367813"/>
           </a:xfrm>
           <a:prstGeom prst="rect">
             <a:avLst/>
@@ -4981,7 +4981,7 @@
         </p:blipFill>
         <p:spPr bwMode="auto">
           <a:xfrm>
-            <a:off x="2905724" y="1472550"/>
+            <a:off x="2836973" y="1520763"/>
             <a:ext cx="581309" cy="492175"/>
           </a:xfrm>
           <a:prstGeom prst="rect">
@@ -5024,6 +5024,47 @@
           <a:xfrm>
             <a:off x="1024790" y="875472"/>
             <a:ext cx="569213" cy="569213"/>
+          </a:xfrm>
+          <a:prstGeom prst="rect">
+            <a:avLst/>
+          </a:prstGeom>
+          <a:noFill/>
+          <a:extLst>
+            <a:ext uri="{909E8E84-426E-40DD-AFC4-6F175D3DCCD1}">
+              <a14:hiddenFill xmlns:a14="http://schemas.microsoft.com/office/drawing/2010/main">
+                <a:solidFill>
+                  <a:srgbClr val="FFFFFF"/>
+                </a:solidFill>
+              </a14:hiddenFill>
+            </a:ext>
+          </a:extLst>
+        </p:spPr>
+      </p:pic>
+      <p:pic>
+        <p:nvPicPr>
+          <p:cNvPr id="1026" name="Picture 2" descr="@yarnpkg"/>
+          <p:cNvPicPr>
+            <a:picLocks noChangeAspect="1" noChangeArrowheads="1"/>
+          </p:cNvPicPr>
+          <p:nvPr/>
+        </p:nvPicPr>
+        <p:blipFill>
+          <a:blip r:embed="rId42" cstate="print">
+            <a:extLst>
+              <a:ext uri="{28A0092B-C50C-407E-A947-70E740481C1C}">
+                <a14:useLocalDpi xmlns:a14="http://schemas.microsoft.com/office/drawing/2010/main" val="0"/>
+              </a:ext>
+            </a:extLst>
+          </a:blip>
+          <a:srcRect/>
+          <a:stretch>
+            <a:fillRect/>
+          </a:stretch>
+        </p:blipFill>
+        <p:spPr bwMode="auto">
+          <a:xfrm>
+            <a:off x="3240469" y="3418088"/>
+            <a:ext cx="478366" cy="478366"/>
           </a:xfrm>
           <a:prstGeom prst="rect">
             <a:avLst/>
